--- a/001_SQL/Document/GoogleDriveQueryKhiem.pptx
+++ b/001_SQL/Document/GoogleDriveQueryKhiem.pptx
@@ -257,7 +257,7 @@
       <p15:sldGuideLst xmlns:p15="http://schemas.microsoft.com/office/powerpoint/2012/main"/>
     </p:ext>
     <p:ext uri="GoogleSlidesCustomDataVersion2">
-      <go:slidesCustomData xmlns="" xmlns:mc="http://schemas.openxmlformats.org/markup-compatibility/2006" xmlns:mv="urn:schemas-microsoft-com:mac:vml" xmlns:c="http://schemas.openxmlformats.org/drawingml/2006/chart" xmlns:dgm="http://schemas.openxmlformats.org/drawingml/2006/diagram" xmlns:o="urn:schemas-microsoft-com:office:office" xmlns:v="urn:schemas-microsoft-com:vml" xmlns:pvml="urn:schemas-microsoft-com:office:powerpoint" xmlns:com="http://schemas.openxmlformats.org/drawingml/2006/compatibility" xmlns:p14="http://schemas.microsoft.com/office/powerpoint/2010/main" xmlns:p15="http://schemas.microsoft.com/office/powerpoint/2012/main" xmlns:ahyp="http://schemas.microsoft.com/office/drawing/2018/hyperlinkcolor" xmlns:go="http://customooxmlschemas.google.com/" r:id="rId18" roundtripDataSignature="AMtx7mh/6DGsVLLJF0qk1udMsmQM7sPXaw=="/>
+      <go:slidesCustomData xmlns:go="http://customooxmlschemas.google.com/" xmlns:ahyp="http://schemas.microsoft.com/office/drawing/2018/hyperlinkcolor" xmlns:p15="http://schemas.microsoft.com/office/powerpoint/2012/main" xmlns:p14="http://schemas.microsoft.com/office/powerpoint/2010/main" xmlns:com="http://schemas.openxmlformats.org/drawingml/2006/compatibility" xmlns:pvml="urn:schemas-microsoft-com:office:powerpoint" xmlns:v="urn:schemas-microsoft-com:vml" xmlns:o="urn:schemas-microsoft-com:office:office" xmlns:dgm="http://schemas.openxmlformats.org/drawingml/2006/diagram" xmlns:c="http://schemas.openxmlformats.org/drawingml/2006/chart" xmlns:mv="urn:schemas-microsoft-com:mac:vml" xmlns:mc="http://schemas.openxmlformats.org/markup-compatibility/2006" xmlns="" r:id="rId18" roundtripDataSignature="AMtx7mh/6DGsVLLJF0qk1udMsmQM7sPXaw=="/>
     </p:ext>
   </p:extLst>
 </p:presentation>

--- a/001_SQL/Document/GoogleDriveQueryKhiem.pptx
+++ b/001_SQL/Document/GoogleDriveQueryKhiem.pptx
@@ -257,7 +257,7 @@
       <p15:sldGuideLst xmlns:p15="http://schemas.microsoft.com/office/powerpoint/2012/main"/>
     </p:ext>
     <p:ext uri="GoogleSlidesCustomDataVersion2">
-      <go:slidesCustomData xmlns:go="http://customooxmlschemas.google.com/" xmlns:ahyp="http://schemas.microsoft.com/office/drawing/2018/hyperlinkcolor" xmlns:p15="http://schemas.microsoft.com/office/powerpoint/2012/main" xmlns:p14="http://schemas.microsoft.com/office/powerpoint/2010/main" xmlns:com="http://schemas.openxmlformats.org/drawingml/2006/compatibility" xmlns:pvml="urn:schemas-microsoft-com:office:powerpoint" xmlns:v="urn:schemas-microsoft-com:vml" xmlns:o="urn:schemas-microsoft-com:office:office" xmlns:dgm="http://schemas.openxmlformats.org/drawingml/2006/diagram" xmlns:c="http://schemas.openxmlformats.org/drawingml/2006/chart" xmlns:mv="urn:schemas-microsoft-com:mac:vml" xmlns:mc="http://schemas.openxmlformats.org/markup-compatibility/2006" xmlns="" r:id="rId18" roundtripDataSignature="AMtx7mh/6DGsVLLJF0qk1udMsmQM7sPXaw=="/>
+      <go:slidesCustomData xmlns="" xmlns:mc="http://schemas.openxmlformats.org/markup-compatibility/2006" xmlns:mv="urn:schemas-microsoft-com:mac:vml" xmlns:c="http://schemas.openxmlformats.org/drawingml/2006/chart" xmlns:dgm="http://schemas.openxmlformats.org/drawingml/2006/diagram" xmlns:o="urn:schemas-microsoft-com:office:office" xmlns:v="urn:schemas-microsoft-com:vml" xmlns:pvml="urn:schemas-microsoft-com:office:powerpoint" xmlns:com="http://schemas.openxmlformats.org/drawingml/2006/compatibility" xmlns:p14="http://schemas.microsoft.com/office/powerpoint/2010/main" xmlns:p15="http://schemas.microsoft.com/office/powerpoint/2012/main" xmlns:ahyp="http://schemas.microsoft.com/office/drawing/2018/hyperlinkcolor" xmlns:go="http://customooxmlschemas.google.com/" r:id="rId18" roundtripDataSignature="AMtx7mh/6DGsVLLJF0qk1udMsmQM7sPXaw=="/>
     </p:ext>
   </p:extLst>
 </p:presentation>
@@ -1722,11 +1722,7 @@
           <a:p>
             <a:r>
               <a:rPr lang="en-US" dirty="0"/>
-              <a:t>Sort </a:t>
-            </a:r>
-            <a:r>
-              <a:rPr lang="en-US"/>
-              <a:t>by Action Recent</a:t>
+              <a:t>Sort by Action Recent</a:t>
             </a:r>
           </a:p>
         </p:txBody>
